--- a/slide/themes/src/10_corner.pptx
+++ b/slide/themes/src/10_corner.pptx
@@ -11,7 +11,7 @@
   <p:notesSz cx="6858000" cy="9144000"/>
   <p:defaultTextStyle>
     <a:defPPr>
-      <a:defRPr lang="ru-RU"/>
+      <a:defRPr lang="en-US"/>
     </a:defPPr>
     <a:lvl1pPr marL="0" algn="l" defTabSz="914400" rtl="0" eaLnBrk="1" latinLnBrk="0" hangingPunct="1">
       <a:defRPr sz="1800" kern="1200">
@@ -126,7 +126,7 @@
       </p:grpSpPr>
       <p:sp>
         <p:nvSpPr>
-          <p:cNvPr id="2" name="Заголовок 1"/>
+          <p:cNvPr id="2" name="Title 1"/>
           <p:cNvSpPr>
             <a:spLocks noGrp="1"/>
           </p:cNvSpPr>
@@ -149,16 +149,16 @@
           </a:lstStyle>
           <a:p>
             <a:r>
-              <a:rPr lang="ru-RU" dirty="0" smtClean="0"/>
-              <a:t>Образец заголовка</a:t>
-            </a:r>
-            <a:endParaRPr lang="ru-RU" dirty="0"/>
-          </a:p>
-        </p:txBody>
-      </p:sp>
-      <p:sp>
-        <p:nvSpPr>
-          <p:cNvPr id="3" name="Подзаголовок 2"/>
+              <a:rPr lang="en-US" dirty="0" smtClean="0"/>
+              <a:t>Click to edit Master title style</a:t>
+            </a:r>
+            <a:endParaRPr lang="en-US" dirty="0"/>
+          </a:p>
+        </p:txBody>
+      </p:sp>
+      <p:sp>
+        <p:nvSpPr>
+          <p:cNvPr id="3" name="Subtitle 2"/>
           <p:cNvSpPr>
             <a:spLocks noGrp="1"/>
           </p:cNvSpPr>
@@ -268,16 +268,16 @@
           </a:lstStyle>
           <a:p>
             <a:r>
-              <a:rPr lang="ru-RU" smtClean="0"/>
-              <a:t>Образец подзаголовка</a:t>
-            </a:r>
-            <a:endParaRPr lang="ru-RU"/>
-          </a:p>
-        </p:txBody>
-      </p:sp>
-      <p:sp>
-        <p:nvSpPr>
-          <p:cNvPr id="4" name="Дата 3"/>
+              <a:rPr lang="en-US" smtClean="0"/>
+              <a:t>Click to edit Master subtitle style</a:t>
+            </a:r>
+            <a:endParaRPr lang="en-US"/>
+          </a:p>
+        </p:txBody>
+      </p:sp>
+      <p:sp>
+        <p:nvSpPr>
+          <p:cNvPr id="4" name="Date Placeholder 3"/>
           <p:cNvSpPr>
             <a:spLocks noGrp="1"/>
           </p:cNvSpPr>
@@ -291,16 +291,16 @@
           <a:lstStyle/>
           <a:p>
             <a:fld id="{86EB4D43-F783-4E09-8208-6AA351DBC29B}" type="datetimeFigureOut">
-              <a:rPr lang="ru-RU" smtClean="0"/>
+              <a:rPr lang="en-US" smtClean="0"/>
               <a:t>22.10.2013</a:t>
             </a:fld>
-            <a:endParaRPr lang="ru-RU"/>
-          </a:p>
-        </p:txBody>
-      </p:sp>
-      <p:sp>
-        <p:nvSpPr>
-          <p:cNvPr id="5" name="Нижний колонтитул 4"/>
+            <a:endParaRPr lang="en-US"/>
+          </a:p>
+        </p:txBody>
+      </p:sp>
+      <p:sp>
+        <p:nvSpPr>
+          <p:cNvPr id="5" name="Footer Placeholder 4"/>
           <p:cNvSpPr>
             <a:spLocks noGrp="1"/>
           </p:cNvSpPr>
@@ -313,13 +313,13 @@
           <a:bodyPr/>
           <a:lstStyle/>
           <a:p>
-            <a:endParaRPr lang="ru-RU"/>
-          </a:p>
-        </p:txBody>
-      </p:sp>
-      <p:sp>
-        <p:nvSpPr>
-          <p:cNvPr id="6" name="Номер слайда 5"/>
+            <a:endParaRPr lang="en-US"/>
+          </a:p>
+        </p:txBody>
+      </p:sp>
+      <p:sp>
+        <p:nvSpPr>
+          <p:cNvPr id="6" name="Slide Number Placeholder 5"/>
           <p:cNvSpPr>
             <a:spLocks noGrp="1"/>
           </p:cNvSpPr>
@@ -333,10 +333,10 @@
           <a:lstStyle/>
           <a:p>
             <a:fld id="{F8E3F0E9-0FC2-4DDE-87CF-3BA6A04EA4CC}" type="slidenum">
-              <a:rPr lang="ru-RU" smtClean="0"/>
+              <a:rPr lang="en-US" smtClean="0"/>
               <a:t>‹#›</a:t>
             </a:fld>
-            <a:endParaRPr lang="ru-RU"/>
+            <a:endParaRPr lang="en-US"/>
           </a:p>
         </p:txBody>
       </p:sp>
@@ -379,7 +379,7 @@
       </p:grpSpPr>
       <p:sp>
         <p:nvSpPr>
-          <p:cNvPr id="2" name="Заголовок 1"/>
+          <p:cNvPr id="2" name="Title 1"/>
           <p:cNvSpPr>
             <a:spLocks noGrp="1"/>
           </p:cNvSpPr>
@@ -393,16 +393,16 @@
           <a:lstStyle/>
           <a:p>
             <a:r>
-              <a:rPr lang="ru-RU" smtClean="0"/>
-              <a:t>Образец заголовка</a:t>
-            </a:r>
-            <a:endParaRPr lang="ru-RU"/>
-          </a:p>
-        </p:txBody>
-      </p:sp>
-      <p:sp>
-        <p:nvSpPr>
-          <p:cNvPr id="3" name="Вертикальный текст 2"/>
+              <a:rPr lang="en-US" smtClean="0"/>
+              <a:t>Click to edit Master title style</a:t>
+            </a:r>
+            <a:endParaRPr lang="en-US"/>
+          </a:p>
+        </p:txBody>
+      </p:sp>
+      <p:sp>
+        <p:nvSpPr>
+          <p:cNvPr id="3" name="Vertical Text Placeholder 2"/>
           <p:cNvSpPr>
             <a:spLocks noGrp="1"/>
           </p:cNvSpPr>
@@ -417,44 +417,44 @@
           <a:p>
             <a:pPr lvl="0"/>
             <a:r>
-              <a:rPr lang="ru-RU" smtClean="0"/>
-              <a:t>Образец текста</a:t>
+              <a:rPr lang="en-US" smtClean="0"/>
+              <a:t>Click to edit Master text styles</a:t>
             </a:r>
           </a:p>
           <a:p>
             <a:pPr lvl="1"/>
             <a:r>
-              <a:rPr lang="ru-RU" smtClean="0"/>
-              <a:t>Второй уровень</a:t>
+              <a:rPr lang="en-US" smtClean="0"/>
+              <a:t>Second level</a:t>
             </a:r>
           </a:p>
           <a:p>
             <a:pPr lvl="2"/>
             <a:r>
-              <a:rPr lang="ru-RU" smtClean="0"/>
-              <a:t>Третий уровень</a:t>
+              <a:rPr lang="en-US" smtClean="0"/>
+              <a:t>Third level</a:t>
             </a:r>
           </a:p>
           <a:p>
             <a:pPr lvl="3"/>
             <a:r>
-              <a:rPr lang="ru-RU" smtClean="0"/>
-              <a:t>Четвертый уровень</a:t>
+              <a:rPr lang="en-US" smtClean="0"/>
+              <a:t>Fourth level</a:t>
             </a:r>
           </a:p>
           <a:p>
             <a:pPr lvl="4"/>
             <a:r>
-              <a:rPr lang="ru-RU" smtClean="0"/>
-              <a:t>Пятый уровень</a:t>
-            </a:r>
-            <a:endParaRPr lang="ru-RU"/>
-          </a:p>
-        </p:txBody>
-      </p:sp>
-      <p:sp>
-        <p:nvSpPr>
-          <p:cNvPr id="4" name="Дата 3"/>
+              <a:rPr lang="en-US" smtClean="0"/>
+              <a:t>Fifth level</a:t>
+            </a:r>
+            <a:endParaRPr lang="en-US"/>
+          </a:p>
+        </p:txBody>
+      </p:sp>
+      <p:sp>
+        <p:nvSpPr>
+          <p:cNvPr id="4" name="Date Placeholder 3"/>
           <p:cNvSpPr>
             <a:spLocks noGrp="1"/>
           </p:cNvSpPr>
@@ -468,16 +468,16 @@
           <a:lstStyle/>
           <a:p>
             <a:fld id="{86EB4D43-F783-4E09-8208-6AA351DBC29B}" type="datetimeFigureOut">
-              <a:rPr lang="ru-RU" smtClean="0"/>
+              <a:rPr lang="en-US" smtClean="0"/>
               <a:t>22.10.2013</a:t>
             </a:fld>
-            <a:endParaRPr lang="ru-RU"/>
-          </a:p>
-        </p:txBody>
-      </p:sp>
-      <p:sp>
-        <p:nvSpPr>
-          <p:cNvPr id="5" name="Нижний колонтитул 4"/>
+            <a:endParaRPr lang="en-US"/>
+          </a:p>
+        </p:txBody>
+      </p:sp>
+      <p:sp>
+        <p:nvSpPr>
+          <p:cNvPr id="5" name="Footer Placeholder 4"/>
           <p:cNvSpPr>
             <a:spLocks noGrp="1"/>
           </p:cNvSpPr>
@@ -490,13 +490,13 @@
           <a:bodyPr/>
           <a:lstStyle/>
           <a:p>
-            <a:endParaRPr lang="ru-RU"/>
-          </a:p>
-        </p:txBody>
-      </p:sp>
-      <p:sp>
-        <p:nvSpPr>
-          <p:cNvPr id="6" name="Номер слайда 5"/>
+            <a:endParaRPr lang="en-US"/>
+          </a:p>
+        </p:txBody>
+      </p:sp>
+      <p:sp>
+        <p:nvSpPr>
+          <p:cNvPr id="6" name="Slide Number Placeholder 5"/>
           <p:cNvSpPr>
             <a:spLocks noGrp="1"/>
           </p:cNvSpPr>
@@ -510,10 +510,10 @@
           <a:lstStyle/>
           <a:p>
             <a:fld id="{F8E3F0E9-0FC2-4DDE-87CF-3BA6A04EA4CC}" type="slidenum">
-              <a:rPr lang="ru-RU" smtClean="0"/>
+              <a:rPr lang="en-US" smtClean="0"/>
               <a:t>‹#›</a:t>
             </a:fld>
-            <a:endParaRPr lang="ru-RU"/>
+            <a:endParaRPr lang="en-US"/>
           </a:p>
         </p:txBody>
       </p:sp>
@@ -556,7 +556,7 @@
       </p:grpSpPr>
       <p:sp>
         <p:nvSpPr>
-          <p:cNvPr id="2" name="Вертикальный заголовок 1"/>
+          <p:cNvPr id="2" name="Vertical Title 1"/>
           <p:cNvSpPr>
             <a:spLocks noGrp="1"/>
           </p:cNvSpPr>
@@ -579,16 +579,16 @@
           </a:lstStyle>
           <a:p>
             <a:r>
-              <a:rPr lang="ru-RU" dirty="0" smtClean="0"/>
-              <a:t>Образец заголовка</a:t>
-            </a:r>
-            <a:endParaRPr lang="ru-RU" dirty="0"/>
-          </a:p>
-        </p:txBody>
-      </p:sp>
-      <p:sp>
-        <p:nvSpPr>
-          <p:cNvPr id="3" name="Вертикальный текст 2"/>
+              <a:rPr lang="en-US" dirty="0" smtClean="0"/>
+              <a:t>Click to edit Master title style</a:t>
+            </a:r>
+            <a:endParaRPr lang="en-US" dirty="0"/>
+          </a:p>
+        </p:txBody>
+      </p:sp>
+      <p:sp>
+        <p:nvSpPr>
+          <p:cNvPr id="3" name="Vertical Text Placeholder 2"/>
           <p:cNvSpPr>
             <a:spLocks noGrp="1"/>
           </p:cNvSpPr>
@@ -608,44 +608,44 @@
           <a:p>
             <a:pPr lvl="0"/>
             <a:r>
-              <a:rPr lang="ru-RU" smtClean="0"/>
-              <a:t>Образец текста</a:t>
+              <a:rPr lang="en-US" smtClean="0"/>
+              <a:t>Click to edit Master text styles</a:t>
             </a:r>
           </a:p>
           <a:p>
             <a:pPr lvl="1"/>
             <a:r>
-              <a:rPr lang="ru-RU" smtClean="0"/>
-              <a:t>Второй уровень</a:t>
+              <a:rPr lang="en-US" smtClean="0"/>
+              <a:t>Second level</a:t>
             </a:r>
           </a:p>
           <a:p>
             <a:pPr lvl="2"/>
             <a:r>
-              <a:rPr lang="ru-RU" smtClean="0"/>
-              <a:t>Третий уровень</a:t>
+              <a:rPr lang="en-US" smtClean="0"/>
+              <a:t>Third level</a:t>
             </a:r>
           </a:p>
           <a:p>
             <a:pPr lvl="3"/>
             <a:r>
-              <a:rPr lang="ru-RU" smtClean="0"/>
-              <a:t>Четвертый уровень</a:t>
+              <a:rPr lang="en-US" smtClean="0"/>
+              <a:t>Fourth level</a:t>
             </a:r>
           </a:p>
           <a:p>
             <a:pPr lvl="4"/>
             <a:r>
-              <a:rPr lang="ru-RU" smtClean="0"/>
-              <a:t>Пятый уровень</a:t>
-            </a:r>
-            <a:endParaRPr lang="ru-RU"/>
-          </a:p>
-        </p:txBody>
-      </p:sp>
-      <p:sp>
-        <p:nvSpPr>
-          <p:cNvPr id="4" name="Дата 3"/>
+              <a:rPr lang="en-US" smtClean="0"/>
+              <a:t>Fifth level</a:t>
+            </a:r>
+            <a:endParaRPr lang="en-US"/>
+          </a:p>
+        </p:txBody>
+      </p:sp>
+      <p:sp>
+        <p:nvSpPr>
+          <p:cNvPr id="4" name="Date Placeholder 3"/>
           <p:cNvSpPr>
             <a:spLocks noGrp="1"/>
           </p:cNvSpPr>
@@ -659,16 +659,16 @@
           <a:lstStyle/>
           <a:p>
             <a:fld id="{86EB4D43-F783-4E09-8208-6AA351DBC29B}" type="datetimeFigureOut">
-              <a:rPr lang="ru-RU" smtClean="0"/>
+              <a:rPr lang="en-US" smtClean="0"/>
               <a:t>22.10.2013</a:t>
             </a:fld>
-            <a:endParaRPr lang="ru-RU"/>
-          </a:p>
-        </p:txBody>
-      </p:sp>
-      <p:sp>
-        <p:nvSpPr>
-          <p:cNvPr id="5" name="Нижний колонтитул 4"/>
+            <a:endParaRPr lang="en-US"/>
+          </a:p>
+        </p:txBody>
+      </p:sp>
+      <p:sp>
+        <p:nvSpPr>
+          <p:cNvPr id="5" name="Footer Placeholder 4"/>
           <p:cNvSpPr>
             <a:spLocks noGrp="1"/>
           </p:cNvSpPr>
@@ -681,13 +681,13 @@
           <a:bodyPr/>
           <a:lstStyle/>
           <a:p>
-            <a:endParaRPr lang="ru-RU"/>
-          </a:p>
-        </p:txBody>
-      </p:sp>
-      <p:sp>
-        <p:nvSpPr>
-          <p:cNvPr id="6" name="Номер слайда 5"/>
+            <a:endParaRPr lang="en-US"/>
+          </a:p>
+        </p:txBody>
+      </p:sp>
+      <p:sp>
+        <p:nvSpPr>
+          <p:cNvPr id="6" name="Slide Number Placeholder 5"/>
           <p:cNvSpPr>
             <a:spLocks noGrp="1"/>
           </p:cNvSpPr>
@@ -701,10 +701,10 @@
           <a:lstStyle/>
           <a:p>
             <a:fld id="{F8E3F0E9-0FC2-4DDE-87CF-3BA6A04EA4CC}" type="slidenum">
-              <a:rPr lang="ru-RU" smtClean="0"/>
+              <a:rPr lang="en-US" smtClean="0"/>
               <a:t>‹#›</a:t>
             </a:fld>
-            <a:endParaRPr lang="ru-RU"/>
+            <a:endParaRPr lang="en-US"/>
           </a:p>
         </p:txBody>
       </p:sp>
@@ -747,7 +747,7 @@
       </p:grpSpPr>
       <p:sp>
         <p:nvSpPr>
-          <p:cNvPr id="2" name="Заголовок 1"/>
+          <p:cNvPr id="2" name="Title 1"/>
           <p:cNvSpPr>
             <a:spLocks noGrp="1"/>
           </p:cNvSpPr>
@@ -761,16 +761,16 @@
           <a:lstStyle/>
           <a:p>
             <a:r>
-              <a:rPr lang="ru-RU" smtClean="0"/>
-              <a:t>Образец заголовка</a:t>
-            </a:r>
-            <a:endParaRPr lang="ru-RU"/>
-          </a:p>
-        </p:txBody>
-      </p:sp>
-      <p:sp>
-        <p:nvSpPr>
-          <p:cNvPr id="3" name="Объект 2"/>
+              <a:rPr lang="en-US" smtClean="0"/>
+              <a:t>Click to edit Master title style</a:t>
+            </a:r>
+            <a:endParaRPr lang="en-US"/>
+          </a:p>
+        </p:txBody>
+      </p:sp>
+      <p:sp>
+        <p:nvSpPr>
+          <p:cNvPr id="3" name="Content Placeholder 2"/>
           <p:cNvSpPr>
             <a:spLocks noGrp="1"/>
           </p:cNvSpPr>
@@ -785,44 +785,44 @@
           <a:p>
             <a:pPr lvl="0"/>
             <a:r>
-              <a:rPr lang="ru-RU" smtClean="0"/>
-              <a:t>Образец текста</a:t>
+              <a:rPr lang="en-US" smtClean="0"/>
+              <a:t>Click to edit Master text styles</a:t>
             </a:r>
           </a:p>
           <a:p>
             <a:pPr lvl="1"/>
             <a:r>
-              <a:rPr lang="ru-RU" smtClean="0"/>
-              <a:t>Второй уровень</a:t>
+              <a:rPr lang="en-US" smtClean="0"/>
+              <a:t>Second level</a:t>
             </a:r>
           </a:p>
           <a:p>
             <a:pPr lvl="2"/>
             <a:r>
-              <a:rPr lang="ru-RU" smtClean="0"/>
-              <a:t>Третий уровень</a:t>
+              <a:rPr lang="en-US" smtClean="0"/>
+              <a:t>Third level</a:t>
             </a:r>
           </a:p>
           <a:p>
             <a:pPr lvl="3"/>
             <a:r>
-              <a:rPr lang="ru-RU" smtClean="0"/>
-              <a:t>Четвертый уровень</a:t>
+              <a:rPr lang="en-US" smtClean="0"/>
+              <a:t>Fourth level</a:t>
             </a:r>
           </a:p>
           <a:p>
             <a:pPr lvl="4"/>
             <a:r>
-              <a:rPr lang="ru-RU" smtClean="0"/>
-              <a:t>Пятый уровень</a:t>
-            </a:r>
-            <a:endParaRPr lang="ru-RU"/>
-          </a:p>
-        </p:txBody>
-      </p:sp>
-      <p:sp>
-        <p:nvSpPr>
-          <p:cNvPr id="4" name="Дата 3"/>
+              <a:rPr lang="en-US" smtClean="0"/>
+              <a:t>Fifth level</a:t>
+            </a:r>
+            <a:endParaRPr lang="en-US"/>
+          </a:p>
+        </p:txBody>
+      </p:sp>
+      <p:sp>
+        <p:nvSpPr>
+          <p:cNvPr id="4" name="Date Placeholder 3"/>
           <p:cNvSpPr>
             <a:spLocks noGrp="1"/>
           </p:cNvSpPr>
@@ -836,16 +836,16 @@
           <a:lstStyle/>
           <a:p>
             <a:fld id="{86EB4D43-F783-4E09-8208-6AA351DBC29B}" type="datetimeFigureOut">
-              <a:rPr lang="ru-RU" smtClean="0"/>
+              <a:rPr lang="en-US" smtClean="0"/>
               <a:t>22.10.2013</a:t>
             </a:fld>
-            <a:endParaRPr lang="ru-RU"/>
-          </a:p>
-        </p:txBody>
-      </p:sp>
-      <p:sp>
-        <p:nvSpPr>
-          <p:cNvPr id="5" name="Нижний колонтитул 4"/>
+            <a:endParaRPr lang="en-US"/>
+          </a:p>
+        </p:txBody>
+      </p:sp>
+      <p:sp>
+        <p:nvSpPr>
+          <p:cNvPr id="5" name="Footer Placeholder 4"/>
           <p:cNvSpPr>
             <a:spLocks noGrp="1"/>
           </p:cNvSpPr>
@@ -858,13 +858,13 @@
           <a:bodyPr/>
           <a:lstStyle/>
           <a:p>
-            <a:endParaRPr lang="ru-RU"/>
-          </a:p>
-        </p:txBody>
-      </p:sp>
-      <p:sp>
-        <p:nvSpPr>
-          <p:cNvPr id="6" name="Номер слайда 5"/>
+            <a:endParaRPr lang="en-US"/>
+          </a:p>
+        </p:txBody>
+      </p:sp>
+      <p:sp>
+        <p:nvSpPr>
+          <p:cNvPr id="6" name="Slide Number Placeholder 5"/>
           <p:cNvSpPr>
             <a:spLocks noGrp="1"/>
           </p:cNvSpPr>
@@ -878,10 +878,10 @@
           <a:lstStyle/>
           <a:p>
             <a:fld id="{F8E3F0E9-0FC2-4DDE-87CF-3BA6A04EA4CC}" type="slidenum">
-              <a:rPr lang="ru-RU" smtClean="0"/>
+              <a:rPr lang="en-US" smtClean="0"/>
               <a:t>‹#›</a:t>
             </a:fld>
-            <a:endParaRPr lang="ru-RU"/>
+            <a:endParaRPr lang="en-US"/>
           </a:p>
         </p:txBody>
       </p:sp>
@@ -924,7 +924,7 @@
       </p:grpSpPr>
       <p:sp>
         <p:nvSpPr>
-          <p:cNvPr id="2" name="Заголовок 1"/>
+          <p:cNvPr id="2" name="Title 1"/>
           <p:cNvSpPr>
             <a:spLocks noGrp="1"/>
           </p:cNvSpPr>
@@ -947,16 +947,16 @@
           </a:lstStyle>
           <a:p>
             <a:r>
-              <a:rPr lang="ru-RU" smtClean="0"/>
-              <a:t>Образец заголовка</a:t>
-            </a:r>
-            <a:endParaRPr lang="ru-RU"/>
-          </a:p>
-        </p:txBody>
-      </p:sp>
-      <p:sp>
-        <p:nvSpPr>
-          <p:cNvPr id="3" name="Текст 2"/>
+              <a:rPr lang="en-US" smtClean="0"/>
+              <a:t>Click to edit Master title style</a:t>
+            </a:r>
+            <a:endParaRPr lang="en-US"/>
+          </a:p>
+        </p:txBody>
+      </p:sp>
+      <p:sp>
+        <p:nvSpPr>
+          <p:cNvPr id="3" name="Text Placeholder 2"/>
           <p:cNvSpPr>
             <a:spLocks noGrp="1"/>
           </p:cNvSpPr>
@@ -1067,15 +1067,15 @@
           <a:p>
             <a:pPr lvl="0"/>
             <a:r>
-              <a:rPr lang="ru-RU" smtClean="0"/>
-              <a:t>Образец текста</a:t>
-            </a:r>
-          </a:p>
-        </p:txBody>
-      </p:sp>
-      <p:sp>
-        <p:nvSpPr>
-          <p:cNvPr id="4" name="Дата 3"/>
+              <a:rPr lang="en-US" smtClean="0"/>
+              <a:t>Click to edit Master text styles</a:t>
+            </a:r>
+          </a:p>
+        </p:txBody>
+      </p:sp>
+      <p:sp>
+        <p:nvSpPr>
+          <p:cNvPr id="4" name="Date Placeholder 3"/>
           <p:cNvSpPr>
             <a:spLocks noGrp="1"/>
           </p:cNvSpPr>
@@ -1089,16 +1089,16 @@
           <a:lstStyle/>
           <a:p>
             <a:fld id="{86EB4D43-F783-4E09-8208-6AA351DBC29B}" type="datetimeFigureOut">
-              <a:rPr lang="ru-RU" smtClean="0"/>
+              <a:rPr lang="en-US" smtClean="0"/>
               <a:t>22.10.2013</a:t>
             </a:fld>
-            <a:endParaRPr lang="ru-RU"/>
-          </a:p>
-        </p:txBody>
-      </p:sp>
-      <p:sp>
-        <p:nvSpPr>
-          <p:cNvPr id="5" name="Нижний колонтитул 4"/>
+            <a:endParaRPr lang="en-US"/>
+          </a:p>
+        </p:txBody>
+      </p:sp>
+      <p:sp>
+        <p:nvSpPr>
+          <p:cNvPr id="5" name="Footer Placeholder 4"/>
           <p:cNvSpPr>
             <a:spLocks noGrp="1"/>
           </p:cNvSpPr>
@@ -1111,13 +1111,13 @@
           <a:bodyPr/>
           <a:lstStyle/>
           <a:p>
-            <a:endParaRPr lang="ru-RU"/>
-          </a:p>
-        </p:txBody>
-      </p:sp>
-      <p:sp>
-        <p:nvSpPr>
-          <p:cNvPr id="6" name="Номер слайда 5"/>
+            <a:endParaRPr lang="en-US"/>
+          </a:p>
+        </p:txBody>
+      </p:sp>
+      <p:sp>
+        <p:nvSpPr>
+          <p:cNvPr id="6" name="Slide Number Placeholder 5"/>
           <p:cNvSpPr>
             <a:spLocks noGrp="1"/>
           </p:cNvSpPr>
@@ -1131,10 +1131,10 @@
           <a:lstStyle/>
           <a:p>
             <a:fld id="{F8E3F0E9-0FC2-4DDE-87CF-3BA6A04EA4CC}" type="slidenum">
-              <a:rPr lang="ru-RU" smtClean="0"/>
+              <a:rPr lang="en-US" smtClean="0"/>
               <a:t>‹#›</a:t>
             </a:fld>
-            <a:endParaRPr lang="ru-RU"/>
+            <a:endParaRPr lang="en-US"/>
           </a:p>
         </p:txBody>
       </p:sp>
@@ -1177,7 +1177,7 @@
       </p:grpSpPr>
       <p:sp>
         <p:nvSpPr>
-          <p:cNvPr id="2" name="Заголовок 1"/>
+          <p:cNvPr id="2" name="Title 1"/>
           <p:cNvSpPr>
             <a:spLocks noGrp="1"/>
           </p:cNvSpPr>
@@ -1191,16 +1191,16 @@
           <a:lstStyle/>
           <a:p>
             <a:r>
-              <a:rPr lang="ru-RU" smtClean="0"/>
-              <a:t>Образец заголовка</a:t>
-            </a:r>
-            <a:endParaRPr lang="ru-RU"/>
-          </a:p>
-        </p:txBody>
-      </p:sp>
-      <p:sp>
-        <p:nvSpPr>
-          <p:cNvPr id="3" name="Объект 2"/>
+              <a:rPr lang="en-US" smtClean="0"/>
+              <a:t>Click to edit Master title style</a:t>
+            </a:r>
+            <a:endParaRPr lang="en-US"/>
+          </a:p>
+        </p:txBody>
+      </p:sp>
+      <p:sp>
+        <p:nvSpPr>
+          <p:cNvPr id="3" name="Content Placeholder 2"/>
           <p:cNvSpPr>
             <a:spLocks noGrp="1"/>
           </p:cNvSpPr>
@@ -1248,44 +1248,44 @@
           <a:p>
             <a:pPr lvl="0"/>
             <a:r>
-              <a:rPr lang="ru-RU" smtClean="0"/>
-              <a:t>Образец текста</a:t>
+              <a:rPr lang="en-US" smtClean="0"/>
+              <a:t>Click to edit Master text styles</a:t>
             </a:r>
           </a:p>
           <a:p>
             <a:pPr lvl="1"/>
             <a:r>
-              <a:rPr lang="ru-RU" smtClean="0"/>
-              <a:t>Второй уровень</a:t>
+              <a:rPr lang="en-US" smtClean="0"/>
+              <a:t>Second level</a:t>
             </a:r>
           </a:p>
           <a:p>
             <a:pPr lvl="2"/>
             <a:r>
-              <a:rPr lang="ru-RU" smtClean="0"/>
-              <a:t>Третий уровень</a:t>
+              <a:rPr lang="en-US" smtClean="0"/>
+              <a:t>Third level</a:t>
             </a:r>
           </a:p>
           <a:p>
             <a:pPr lvl="3"/>
             <a:r>
-              <a:rPr lang="ru-RU" smtClean="0"/>
-              <a:t>Четвертый уровень</a:t>
+              <a:rPr lang="en-US" smtClean="0"/>
+              <a:t>Fourth level</a:t>
             </a:r>
           </a:p>
           <a:p>
             <a:pPr lvl="4"/>
             <a:r>
-              <a:rPr lang="ru-RU" smtClean="0"/>
-              <a:t>Пятый уровень</a:t>
-            </a:r>
-            <a:endParaRPr lang="ru-RU"/>
-          </a:p>
-        </p:txBody>
-      </p:sp>
-      <p:sp>
-        <p:nvSpPr>
-          <p:cNvPr id="4" name="Объект 3"/>
+              <a:rPr lang="en-US" smtClean="0"/>
+              <a:t>Fifth level</a:t>
+            </a:r>
+            <a:endParaRPr lang="en-US"/>
+          </a:p>
+        </p:txBody>
+      </p:sp>
+      <p:sp>
+        <p:nvSpPr>
+          <p:cNvPr id="4" name="Content Placeholder 3"/>
           <p:cNvSpPr>
             <a:spLocks noGrp="1"/>
           </p:cNvSpPr>
@@ -1333,44 +1333,44 @@
           <a:p>
             <a:pPr lvl="0"/>
             <a:r>
-              <a:rPr lang="ru-RU" dirty="0" smtClean="0"/>
-              <a:t>Образец текста</a:t>
+              <a:rPr lang="en-US" dirty="0" smtClean="0"/>
+              <a:t>Click to edit Master text styles</a:t>
             </a:r>
           </a:p>
           <a:p>
             <a:pPr lvl="1"/>
             <a:r>
-              <a:rPr lang="ru-RU" dirty="0" smtClean="0"/>
-              <a:t>Второй уровень</a:t>
+              <a:rPr lang="en-US" dirty="0" smtClean="0"/>
+              <a:t>Second level</a:t>
             </a:r>
           </a:p>
           <a:p>
             <a:pPr lvl="2"/>
             <a:r>
-              <a:rPr lang="ru-RU" dirty="0" smtClean="0"/>
-              <a:t>Третий уровень</a:t>
+              <a:rPr lang="en-US" dirty="0" smtClean="0"/>
+              <a:t>Third level</a:t>
             </a:r>
           </a:p>
           <a:p>
             <a:pPr lvl="3"/>
             <a:r>
-              <a:rPr lang="ru-RU" dirty="0" smtClean="0"/>
-              <a:t>Четвертый уровень</a:t>
+              <a:rPr lang="en-US" dirty="0" smtClean="0"/>
+              <a:t>Fourth level</a:t>
             </a:r>
           </a:p>
           <a:p>
             <a:pPr lvl="4"/>
             <a:r>
-              <a:rPr lang="ru-RU" dirty="0" smtClean="0"/>
-              <a:t>Пятый уровень</a:t>
-            </a:r>
-            <a:endParaRPr lang="ru-RU" dirty="0"/>
-          </a:p>
-        </p:txBody>
-      </p:sp>
-      <p:sp>
-        <p:nvSpPr>
-          <p:cNvPr id="5" name="Дата 4"/>
+              <a:rPr lang="en-US" dirty="0" smtClean="0"/>
+              <a:t>Fifth level</a:t>
+            </a:r>
+            <a:endParaRPr lang="en-US" dirty="0"/>
+          </a:p>
+        </p:txBody>
+      </p:sp>
+      <p:sp>
+        <p:nvSpPr>
+          <p:cNvPr id="5" name="Date Placeholder 4"/>
           <p:cNvSpPr>
             <a:spLocks noGrp="1"/>
           </p:cNvSpPr>
@@ -1384,16 +1384,16 @@
           <a:lstStyle/>
           <a:p>
             <a:fld id="{86EB4D43-F783-4E09-8208-6AA351DBC29B}" type="datetimeFigureOut">
-              <a:rPr lang="ru-RU" smtClean="0"/>
+              <a:rPr lang="en-US" smtClean="0"/>
               <a:t>22.10.2013</a:t>
             </a:fld>
-            <a:endParaRPr lang="ru-RU"/>
-          </a:p>
-        </p:txBody>
-      </p:sp>
-      <p:sp>
-        <p:nvSpPr>
-          <p:cNvPr id="6" name="Нижний колонтитул 5"/>
+            <a:endParaRPr lang="en-US"/>
+          </a:p>
+        </p:txBody>
+      </p:sp>
+      <p:sp>
+        <p:nvSpPr>
+          <p:cNvPr id="6" name="Footer Placeholder 5"/>
           <p:cNvSpPr>
             <a:spLocks noGrp="1"/>
           </p:cNvSpPr>
@@ -1406,13 +1406,13 @@
           <a:bodyPr/>
           <a:lstStyle/>
           <a:p>
-            <a:endParaRPr lang="ru-RU"/>
-          </a:p>
-        </p:txBody>
-      </p:sp>
-      <p:sp>
-        <p:nvSpPr>
-          <p:cNvPr id="7" name="Номер слайда 6"/>
+            <a:endParaRPr lang="en-US"/>
+          </a:p>
+        </p:txBody>
+      </p:sp>
+      <p:sp>
+        <p:nvSpPr>
+          <p:cNvPr id="7" name="Slide Number Placeholder 6"/>
           <p:cNvSpPr>
             <a:spLocks noGrp="1"/>
           </p:cNvSpPr>
@@ -1426,10 +1426,10 @@
           <a:lstStyle/>
           <a:p>
             <a:fld id="{F8E3F0E9-0FC2-4DDE-87CF-3BA6A04EA4CC}" type="slidenum">
-              <a:rPr lang="ru-RU" smtClean="0"/>
+              <a:rPr lang="en-US" smtClean="0"/>
               <a:t>‹#›</a:t>
             </a:fld>
-            <a:endParaRPr lang="ru-RU"/>
+            <a:endParaRPr lang="en-US"/>
           </a:p>
         </p:txBody>
       </p:sp>
@@ -1472,7 +1472,7 @@
       </p:grpSpPr>
       <p:sp>
         <p:nvSpPr>
-          <p:cNvPr id="2" name="Заголовок 1"/>
+          <p:cNvPr id="2" name="Title 1"/>
           <p:cNvSpPr>
             <a:spLocks noGrp="1"/>
           </p:cNvSpPr>
@@ -1490,16 +1490,16 @@
           </a:lstStyle>
           <a:p>
             <a:r>
-              <a:rPr lang="ru-RU" smtClean="0"/>
-              <a:t>Образец заголовка</a:t>
-            </a:r>
-            <a:endParaRPr lang="ru-RU"/>
-          </a:p>
-        </p:txBody>
-      </p:sp>
-      <p:sp>
-        <p:nvSpPr>
-          <p:cNvPr id="3" name="Текст 2"/>
+              <a:rPr lang="en-US" smtClean="0"/>
+              <a:t>Click to edit Master title style</a:t>
+            </a:r>
+            <a:endParaRPr lang="en-US"/>
+          </a:p>
+        </p:txBody>
+      </p:sp>
+      <p:sp>
+        <p:nvSpPr>
+          <p:cNvPr id="3" name="Text Placeholder 2"/>
           <p:cNvSpPr>
             <a:spLocks noGrp="1"/>
           </p:cNvSpPr>
@@ -1556,15 +1556,15 @@
           <a:p>
             <a:pPr lvl="0"/>
             <a:r>
-              <a:rPr lang="ru-RU" smtClean="0"/>
-              <a:t>Образец текста</a:t>
-            </a:r>
-          </a:p>
-        </p:txBody>
-      </p:sp>
-      <p:sp>
-        <p:nvSpPr>
-          <p:cNvPr id="4" name="Объект 3"/>
+              <a:rPr lang="en-US" smtClean="0"/>
+              <a:t>Click to edit Master text styles</a:t>
+            </a:r>
+          </a:p>
+        </p:txBody>
+      </p:sp>
+      <p:sp>
+        <p:nvSpPr>
+          <p:cNvPr id="4" name="Content Placeholder 3"/>
           <p:cNvSpPr>
             <a:spLocks noGrp="1"/>
           </p:cNvSpPr>
@@ -1612,44 +1612,44 @@
           <a:p>
             <a:pPr lvl="0"/>
             <a:r>
-              <a:rPr lang="ru-RU" smtClean="0"/>
-              <a:t>Образец текста</a:t>
+              <a:rPr lang="en-US" smtClean="0"/>
+              <a:t>Click to edit Master text styles</a:t>
             </a:r>
           </a:p>
           <a:p>
             <a:pPr lvl="1"/>
             <a:r>
-              <a:rPr lang="ru-RU" smtClean="0"/>
-              <a:t>Второй уровень</a:t>
+              <a:rPr lang="en-US" smtClean="0"/>
+              <a:t>Second level</a:t>
             </a:r>
           </a:p>
           <a:p>
             <a:pPr lvl="2"/>
             <a:r>
-              <a:rPr lang="ru-RU" smtClean="0"/>
-              <a:t>Третий уровень</a:t>
+              <a:rPr lang="en-US" smtClean="0"/>
+              <a:t>Third level</a:t>
             </a:r>
           </a:p>
           <a:p>
             <a:pPr lvl="3"/>
             <a:r>
-              <a:rPr lang="ru-RU" smtClean="0"/>
-              <a:t>Четвертый уровень</a:t>
+              <a:rPr lang="en-US" smtClean="0"/>
+              <a:t>Fourth level</a:t>
             </a:r>
           </a:p>
           <a:p>
             <a:pPr lvl="4"/>
             <a:r>
-              <a:rPr lang="ru-RU" smtClean="0"/>
-              <a:t>Пятый уровень</a:t>
-            </a:r>
-            <a:endParaRPr lang="ru-RU"/>
-          </a:p>
-        </p:txBody>
-      </p:sp>
-      <p:sp>
-        <p:nvSpPr>
-          <p:cNvPr id="5" name="Текст 4"/>
+              <a:rPr lang="en-US" smtClean="0"/>
+              <a:t>Fifth level</a:t>
+            </a:r>
+            <a:endParaRPr lang="en-US"/>
+          </a:p>
+        </p:txBody>
+      </p:sp>
+      <p:sp>
+        <p:nvSpPr>
+          <p:cNvPr id="5" name="Text Placeholder 4"/>
           <p:cNvSpPr>
             <a:spLocks noGrp="1"/>
           </p:cNvSpPr>
@@ -1706,15 +1706,15 @@
           <a:p>
             <a:pPr lvl="0"/>
             <a:r>
-              <a:rPr lang="ru-RU" smtClean="0"/>
-              <a:t>Образец текста</a:t>
-            </a:r>
-          </a:p>
-        </p:txBody>
-      </p:sp>
-      <p:sp>
-        <p:nvSpPr>
-          <p:cNvPr id="6" name="Объект 5"/>
+              <a:rPr lang="en-US" smtClean="0"/>
+              <a:t>Click to edit Master text styles</a:t>
+            </a:r>
+          </a:p>
+        </p:txBody>
+      </p:sp>
+      <p:sp>
+        <p:nvSpPr>
+          <p:cNvPr id="6" name="Content Placeholder 5"/>
           <p:cNvSpPr>
             <a:spLocks noGrp="1"/>
           </p:cNvSpPr>
@@ -1762,44 +1762,44 @@
           <a:p>
             <a:pPr lvl="0"/>
             <a:r>
-              <a:rPr lang="ru-RU" smtClean="0"/>
-              <a:t>Образец текста</a:t>
+              <a:rPr lang="en-US" smtClean="0"/>
+              <a:t>Click to edit Master text styles</a:t>
             </a:r>
           </a:p>
           <a:p>
             <a:pPr lvl="1"/>
             <a:r>
-              <a:rPr lang="ru-RU" smtClean="0"/>
-              <a:t>Второй уровень</a:t>
+              <a:rPr lang="en-US" smtClean="0"/>
+              <a:t>Second level</a:t>
             </a:r>
           </a:p>
           <a:p>
             <a:pPr lvl="2"/>
             <a:r>
-              <a:rPr lang="ru-RU" smtClean="0"/>
-              <a:t>Третий уровень</a:t>
+              <a:rPr lang="en-US" smtClean="0"/>
+              <a:t>Third level</a:t>
             </a:r>
           </a:p>
           <a:p>
             <a:pPr lvl="3"/>
             <a:r>
-              <a:rPr lang="ru-RU" smtClean="0"/>
-              <a:t>Четвертый уровень</a:t>
+              <a:rPr lang="en-US" smtClean="0"/>
+              <a:t>Fourth level</a:t>
             </a:r>
           </a:p>
           <a:p>
             <a:pPr lvl="4"/>
             <a:r>
-              <a:rPr lang="ru-RU" smtClean="0"/>
-              <a:t>Пятый уровень</a:t>
-            </a:r>
-            <a:endParaRPr lang="ru-RU"/>
-          </a:p>
-        </p:txBody>
-      </p:sp>
-      <p:sp>
-        <p:nvSpPr>
-          <p:cNvPr id="7" name="Дата 6"/>
+              <a:rPr lang="en-US" smtClean="0"/>
+              <a:t>Fifth level</a:t>
+            </a:r>
+            <a:endParaRPr lang="en-US"/>
+          </a:p>
+        </p:txBody>
+      </p:sp>
+      <p:sp>
+        <p:nvSpPr>
+          <p:cNvPr id="7" name="Date Placeholder 6"/>
           <p:cNvSpPr>
             <a:spLocks noGrp="1"/>
           </p:cNvSpPr>
@@ -1813,16 +1813,16 @@
           <a:lstStyle/>
           <a:p>
             <a:fld id="{86EB4D43-F783-4E09-8208-6AA351DBC29B}" type="datetimeFigureOut">
-              <a:rPr lang="ru-RU" smtClean="0"/>
+              <a:rPr lang="en-US" smtClean="0"/>
               <a:t>22.10.2013</a:t>
             </a:fld>
-            <a:endParaRPr lang="ru-RU"/>
-          </a:p>
-        </p:txBody>
-      </p:sp>
-      <p:sp>
-        <p:nvSpPr>
-          <p:cNvPr id="8" name="Нижний колонтитул 7"/>
+            <a:endParaRPr lang="en-US"/>
+          </a:p>
+        </p:txBody>
+      </p:sp>
+      <p:sp>
+        <p:nvSpPr>
+          <p:cNvPr id="8" name="Footer Placeholder 7"/>
           <p:cNvSpPr>
             <a:spLocks noGrp="1"/>
           </p:cNvSpPr>
@@ -1835,13 +1835,13 @@
           <a:bodyPr/>
           <a:lstStyle/>
           <a:p>
-            <a:endParaRPr lang="ru-RU"/>
-          </a:p>
-        </p:txBody>
-      </p:sp>
-      <p:sp>
-        <p:nvSpPr>
-          <p:cNvPr id="9" name="Номер слайда 8"/>
+            <a:endParaRPr lang="en-US"/>
+          </a:p>
+        </p:txBody>
+      </p:sp>
+      <p:sp>
+        <p:nvSpPr>
+          <p:cNvPr id="9" name="Slide Number Placeholder 8"/>
           <p:cNvSpPr>
             <a:spLocks noGrp="1"/>
           </p:cNvSpPr>
@@ -1855,10 +1855,10 @@
           <a:lstStyle/>
           <a:p>
             <a:fld id="{F8E3F0E9-0FC2-4DDE-87CF-3BA6A04EA4CC}" type="slidenum">
-              <a:rPr lang="ru-RU" smtClean="0"/>
+              <a:rPr lang="en-US" smtClean="0"/>
               <a:t>‹#›</a:t>
             </a:fld>
-            <a:endParaRPr lang="ru-RU"/>
+            <a:endParaRPr lang="en-US"/>
           </a:p>
         </p:txBody>
       </p:sp>
@@ -1901,7 +1901,7 @@
       </p:grpSpPr>
       <p:sp>
         <p:nvSpPr>
-          <p:cNvPr id="2" name="Заголовок 1"/>
+          <p:cNvPr id="2" name="Title 1"/>
           <p:cNvSpPr>
             <a:spLocks noGrp="1"/>
           </p:cNvSpPr>
@@ -1915,16 +1915,16 @@
           <a:lstStyle/>
           <a:p>
             <a:r>
-              <a:rPr lang="ru-RU" smtClean="0"/>
-              <a:t>Образец заголовка</a:t>
-            </a:r>
-            <a:endParaRPr lang="ru-RU"/>
-          </a:p>
-        </p:txBody>
-      </p:sp>
-      <p:sp>
-        <p:nvSpPr>
-          <p:cNvPr id="3" name="Дата 2"/>
+              <a:rPr lang="en-US" smtClean="0"/>
+              <a:t>Click to edit Master title style</a:t>
+            </a:r>
+            <a:endParaRPr lang="en-US"/>
+          </a:p>
+        </p:txBody>
+      </p:sp>
+      <p:sp>
+        <p:nvSpPr>
+          <p:cNvPr id="3" name="Date Placeholder 2"/>
           <p:cNvSpPr>
             <a:spLocks noGrp="1"/>
           </p:cNvSpPr>
@@ -1938,16 +1938,16 @@
           <a:lstStyle/>
           <a:p>
             <a:fld id="{86EB4D43-F783-4E09-8208-6AA351DBC29B}" type="datetimeFigureOut">
-              <a:rPr lang="ru-RU" smtClean="0"/>
+              <a:rPr lang="en-US" smtClean="0"/>
               <a:t>22.10.2013</a:t>
             </a:fld>
-            <a:endParaRPr lang="ru-RU"/>
-          </a:p>
-        </p:txBody>
-      </p:sp>
-      <p:sp>
-        <p:nvSpPr>
-          <p:cNvPr id="4" name="Нижний колонтитул 3"/>
+            <a:endParaRPr lang="en-US"/>
+          </a:p>
+        </p:txBody>
+      </p:sp>
+      <p:sp>
+        <p:nvSpPr>
+          <p:cNvPr id="4" name="Footer Placeholder 3"/>
           <p:cNvSpPr>
             <a:spLocks noGrp="1"/>
           </p:cNvSpPr>
@@ -1960,13 +1960,13 @@
           <a:bodyPr/>
           <a:lstStyle/>
           <a:p>
-            <a:endParaRPr lang="ru-RU"/>
-          </a:p>
-        </p:txBody>
-      </p:sp>
-      <p:sp>
-        <p:nvSpPr>
-          <p:cNvPr id="5" name="Номер слайда 4"/>
+            <a:endParaRPr lang="en-US"/>
+          </a:p>
+        </p:txBody>
+      </p:sp>
+      <p:sp>
+        <p:nvSpPr>
+          <p:cNvPr id="5" name="Slide Number Placeholder 4"/>
           <p:cNvSpPr>
             <a:spLocks noGrp="1"/>
           </p:cNvSpPr>
@@ -1980,10 +1980,10 @@
           <a:lstStyle/>
           <a:p>
             <a:fld id="{F8E3F0E9-0FC2-4DDE-87CF-3BA6A04EA4CC}" type="slidenum">
-              <a:rPr lang="ru-RU" smtClean="0"/>
+              <a:rPr lang="en-US" smtClean="0"/>
               <a:t>‹#›</a:t>
             </a:fld>
-            <a:endParaRPr lang="ru-RU"/>
+            <a:endParaRPr lang="en-US"/>
           </a:p>
         </p:txBody>
       </p:sp>
@@ -2026,7 +2026,7 @@
       </p:grpSpPr>
       <p:sp>
         <p:nvSpPr>
-          <p:cNvPr id="2" name="Дата 1"/>
+          <p:cNvPr id="2" name="Date Placeholder 1"/>
           <p:cNvSpPr>
             <a:spLocks noGrp="1"/>
           </p:cNvSpPr>
@@ -2040,16 +2040,16 @@
           <a:lstStyle/>
           <a:p>
             <a:fld id="{86EB4D43-F783-4E09-8208-6AA351DBC29B}" type="datetimeFigureOut">
-              <a:rPr lang="ru-RU" smtClean="0"/>
+              <a:rPr lang="en-US" smtClean="0"/>
               <a:t>22.10.2013</a:t>
             </a:fld>
-            <a:endParaRPr lang="ru-RU"/>
-          </a:p>
-        </p:txBody>
-      </p:sp>
-      <p:sp>
-        <p:nvSpPr>
-          <p:cNvPr id="3" name="Нижний колонтитул 2"/>
+            <a:endParaRPr lang="en-US"/>
+          </a:p>
+        </p:txBody>
+      </p:sp>
+      <p:sp>
+        <p:nvSpPr>
+          <p:cNvPr id="3" name="Footer Placeholder 2"/>
           <p:cNvSpPr>
             <a:spLocks noGrp="1"/>
           </p:cNvSpPr>
@@ -2062,13 +2062,13 @@
           <a:bodyPr/>
           <a:lstStyle/>
           <a:p>
-            <a:endParaRPr lang="ru-RU"/>
-          </a:p>
-        </p:txBody>
-      </p:sp>
-      <p:sp>
-        <p:nvSpPr>
-          <p:cNvPr id="4" name="Номер слайда 3"/>
+            <a:endParaRPr lang="en-US"/>
+          </a:p>
+        </p:txBody>
+      </p:sp>
+      <p:sp>
+        <p:nvSpPr>
+          <p:cNvPr id="4" name="Slide Number Placeholder 3"/>
           <p:cNvSpPr>
             <a:spLocks noGrp="1"/>
           </p:cNvSpPr>
@@ -2082,10 +2082,10 @@
           <a:lstStyle/>
           <a:p>
             <a:fld id="{F8E3F0E9-0FC2-4DDE-87CF-3BA6A04EA4CC}" type="slidenum">
-              <a:rPr lang="ru-RU" smtClean="0"/>
+              <a:rPr lang="en-US" smtClean="0"/>
               <a:t>‹#›</a:t>
             </a:fld>
-            <a:endParaRPr lang="ru-RU"/>
+            <a:endParaRPr lang="en-US"/>
           </a:p>
         </p:txBody>
       </p:sp>
@@ -2128,7 +2128,7 @@
       </p:grpSpPr>
       <p:sp>
         <p:nvSpPr>
-          <p:cNvPr id="2" name="Заголовок 1"/>
+          <p:cNvPr id="2" name="Title 1"/>
           <p:cNvSpPr>
             <a:spLocks noGrp="1"/>
           </p:cNvSpPr>
@@ -2151,16 +2151,16 @@
           </a:lstStyle>
           <a:p>
             <a:r>
-              <a:rPr lang="ru-RU" smtClean="0"/>
-              <a:t>Образец заголовка</a:t>
-            </a:r>
-            <a:endParaRPr lang="ru-RU"/>
-          </a:p>
-        </p:txBody>
-      </p:sp>
-      <p:sp>
-        <p:nvSpPr>
-          <p:cNvPr id="3" name="Объект 2"/>
+              <a:rPr lang="en-US" smtClean="0"/>
+              <a:t>Click to edit Master title style</a:t>
+            </a:r>
+            <a:endParaRPr lang="en-US"/>
+          </a:p>
+        </p:txBody>
+      </p:sp>
+      <p:sp>
+        <p:nvSpPr>
+          <p:cNvPr id="3" name="Content Placeholder 2"/>
           <p:cNvSpPr>
             <a:spLocks noGrp="1"/>
           </p:cNvSpPr>
@@ -2208,44 +2208,44 @@
           <a:p>
             <a:pPr lvl="0"/>
             <a:r>
-              <a:rPr lang="ru-RU" smtClean="0"/>
-              <a:t>Образец текста</a:t>
+              <a:rPr lang="en-US" smtClean="0"/>
+              <a:t>Click to edit Master text styles</a:t>
             </a:r>
           </a:p>
           <a:p>
             <a:pPr lvl="1"/>
             <a:r>
-              <a:rPr lang="ru-RU" smtClean="0"/>
-              <a:t>Второй уровень</a:t>
+              <a:rPr lang="en-US" smtClean="0"/>
+              <a:t>Second level</a:t>
             </a:r>
           </a:p>
           <a:p>
             <a:pPr lvl="2"/>
             <a:r>
-              <a:rPr lang="ru-RU" smtClean="0"/>
-              <a:t>Третий уровень</a:t>
+              <a:rPr lang="en-US" smtClean="0"/>
+              <a:t>Third level</a:t>
             </a:r>
           </a:p>
           <a:p>
             <a:pPr lvl="3"/>
             <a:r>
-              <a:rPr lang="ru-RU" smtClean="0"/>
-              <a:t>Четвертый уровень</a:t>
+              <a:rPr lang="en-US" smtClean="0"/>
+              <a:t>Fourth level</a:t>
             </a:r>
           </a:p>
           <a:p>
             <a:pPr lvl="4"/>
             <a:r>
-              <a:rPr lang="ru-RU" smtClean="0"/>
-              <a:t>Пятый уровень</a:t>
-            </a:r>
-            <a:endParaRPr lang="ru-RU"/>
-          </a:p>
-        </p:txBody>
-      </p:sp>
-      <p:sp>
-        <p:nvSpPr>
-          <p:cNvPr id="4" name="Текст 3"/>
+              <a:rPr lang="en-US" smtClean="0"/>
+              <a:t>Fifth level</a:t>
+            </a:r>
+            <a:endParaRPr lang="en-US"/>
+          </a:p>
+        </p:txBody>
+      </p:sp>
+      <p:sp>
+        <p:nvSpPr>
+          <p:cNvPr id="4" name="Text Placeholder 3"/>
           <p:cNvSpPr>
             <a:spLocks noGrp="1"/>
           </p:cNvSpPr>
@@ -2302,15 +2302,15 @@
           <a:p>
             <a:pPr lvl="0"/>
             <a:r>
-              <a:rPr lang="ru-RU" smtClean="0"/>
-              <a:t>Образец текста</a:t>
-            </a:r>
-          </a:p>
-        </p:txBody>
-      </p:sp>
-      <p:sp>
-        <p:nvSpPr>
-          <p:cNvPr id="5" name="Дата 4"/>
+              <a:rPr lang="en-US" smtClean="0"/>
+              <a:t>Click to edit Master text styles</a:t>
+            </a:r>
+          </a:p>
+        </p:txBody>
+      </p:sp>
+      <p:sp>
+        <p:nvSpPr>
+          <p:cNvPr id="5" name="Date Placeholder 4"/>
           <p:cNvSpPr>
             <a:spLocks noGrp="1"/>
           </p:cNvSpPr>
@@ -2324,16 +2324,16 @@
           <a:lstStyle/>
           <a:p>
             <a:fld id="{86EB4D43-F783-4E09-8208-6AA351DBC29B}" type="datetimeFigureOut">
-              <a:rPr lang="ru-RU" smtClean="0"/>
+              <a:rPr lang="en-US" smtClean="0"/>
               <a:t>22.10.2013</a:t>
             </a:fld>
-            <a:endParaRPr lang="ru-RU"/>
-          </a:p>
-        </p:txBody>
-      </p:sp>
-      <p:sp>
-        <p:nvSpPr>
-          <p:cNvPr id="6" name="Нижний колонтитул 5"/>
+            <a:endParaRPr lang="en-US"/>
+          </a:p>
+        </p:txBody>
+      </p:sp>
+      <p:sp>
+        <p:nvSpPr>
+          <p:cNvPr id="6" name="Footer Placeholder 5"/>
           <p:cNvSpPr>
             <a:spLocks noGrp="1"/>
           </p:cNvSpPr>
@@ -2346,13 +2346,13 @@
           <a:bodyPr/>
           <a:lstStyle/>
           <a:p>
-            <a:endParaRPr lang="ru-RU"/>
-          </a:p>
-        </p:txBody>
-      </p:sp>
-      <p:sp>
-        <p:nvSpPr>
-          <p:cNvPr id="7" name="Номер слайда 6"/>
+            <a:endParaRPr lang="en-US"/>
+          </a:p>
+        </p:txBody>
+      </p:sp>
+      <p:sp>
+        <p:nvSpPr>
+          <p:cNvPr id="7" name="Slide Number Placeholder 6"/>
           <p:cNvSpPr>
             <a:spLocks noGrp="1"/>
           </p:cNvSpPr>
@@ -2366,10 +2366,10 @@
           <a:lstStyle/>
           <a:p>
             <a:fld id="{F8E3F0E9-0FC2-4DDE-87CF-3BA6A04EA4CC}" type="slidenum">
-              <a:rPr lang="ru-RU" smtClean="0"/>
+              <a:rPr lang="en-US" smtClean="0"/>
               <a:t>‹#›</a:t>
             </a:fld>
-            <a:endParaRPr lang="ru-RU"/>
+            <a:endParaRPr lang="en-US"/>
           </a:p>
         </p:txBody>
       </p:sp>
@@ -2412,7 +2412,7 @@
       </p:grpSpPr>
       <p:sp>
         <p:nvSpPr>
-          <p:cNvPr id="2" name="Заголовок 1"/>
+          <p:cNvPr id="2" name="Title 1"/>
           <p:cNvSpPr>
             <a:spLocks noGrp="1"/>
           </p:cNvSpPr>
@@ -2435,16 +2435,16 @@
           </a:lstStyle>
           <a:p>
             <a:r>
-              <a:rPr lang="ru-RU" smtClean="0"/>
-              <a:t>Образец заголовка</a:t>
-            </a:r>
-            <a:endParaRPr lang="ru-RU"/>
-          </a:p>
-        </p:txBody>
-      </p:sp>
-      <p:sp>
-        <p:nvSpPr>
-          <p:cNvPr id="3" name="Рисунок 2"/>
+              <a:rPr lang="en-US" smtClean="0"/>
+              <a:t>Click to edit Master title style</a:t>
+            </a:r>
+            <a:endParaRPr lang="en-US"/>
+          </a:p>
+        </p:txBody>
+      </p:sp>
+      <p:sp>
+        <p:nvSpPr>
+          <p:cNvPr id="3" name="Picture Placeholder 2"/>
           <p:cNvSpPr>
             <a:spLocks noGrp="1"/>
           </p:cNvSpPr>
@@ -2499,13 +2499,13 @@
             </a:lvl9pPr>
           </a:lstStyle>
           <a:p>
-            <a:endParaRPr lang="ru-RU"/>
-          </a:p>
-        </p:txBody>
-      </p:sp>
-      <p:sp>
-        <p:nvSpPr>
-          <p:cNvPr id="4" name="Текст 3"/>
+            <a:endParaRPr lang="en-US"/>
+          </a:p>
+        </p:txBody>
+      </p:sp>
+      <p:sp>
+        <p:nvSpPr>
+          <p:cNvPr id="4" name="Text Placeholder 3"/>
           <p:cNvSpPr>
             <a:spLocks noGrp="1"/>
           </p:cNvSpPr>
@@ -2562,15 +2562,15 @@
           <a:p>
             <a:pPr lvl="0"/>
             <a:r>
-              <a:rPr lang="ru-RU" smtClean="0"/>
-              <a:t>Образец текста</a:t>
-            </a:r>
-          </a:p>
-        </p:txBody>
-      </p:sp>
-      <p:sp>
-        <p:nvSpPr>
-          <p:cNvPr id="5" name="Дата 4"/>
+              <a:rPr lang="en-US" smtClean="0"/>
+              <a:t>Click to edit Master text styles</a:t>
+            </a:r>
+          </a:p>
+        </p:txBody>
+      </p:sp>
+      <p:sp>
+        <p:nvSpPr>
+          <p:cNvPr id="5" name="Date Placeholder 4"/>
           <p:cNvSpPr>
             <a:spLocks noGrp="1"/>
           </p:cNvSpPr>
@@ -2584,16 +2584,16 @@
           <a:lstStyle/>
           <a:p>
             <a:fld id="{86EB4D43-F783-4E09-8208-6AA351DBC29B}" type="datetimeFigureOut">
-              <a:rPr lang="ru-RU" smtClean="0"/>
+              <a:rPr lang="en-US" smtClean="0"/>
               <a:t>22.10.2013</a:t>
             </a:fld>
-            <a:endParaRPr lang="ru-RU"/>
-          </a:p>
-        </p:txBody>
-      </p:sp>
-      <p:sp>
-        <p:nvSpPr>
-          <p:cNvPr id="6" name="Нижний колонтитул 5"/>
+            <a:endParaRPr lang="en-US"/>
+          </a:p>
+        </p:txBody>
+      </p:sp>
+      <p:sp>
+        <p:nvSpPr>
+          <p:cNvPr id="6" name="Footer Placeholder 5"/>
           <p:cNvSpPr>
             <a:spLocks noGrp="1"/>
           </p:cNvSpPr>
@@ -2606,13 +2606,13 @@
           <a:bodyPr/>
           <a:lstStyle/>
           <a:p>
-            <a:endParaRPr lang="ru-RU"/>
-          </a:p>
-        </p:txBody>
-      </p:sp>
-      <p:sp>
-        <p:nvSpPr>
-          <p:cNvPr id="7" name="Номер слайда 6"/>
+            <a:endParaRPr lang="en-US"/>
+          </a:p>
+        </p:txBody>
+      </p:sp>
+      <p:sp>
+        <p:nvSpPr>
+          <p:cNvPr id="7" name="Slide Number Placeholder 6"/>
           <p:cNvSpPr>
             <a:spLocks noGrp="1"/>
           </p:cNvSpPr>
@@ -2626,10 +2626,10 @@
           <a:lstStyle/>
           <a:p>
             <a:fld id="{F8E3F0E9-0FC2-4DDE-87CF-3BA6A04EA4CC}" type="slidenum">
-              <a:rPr lang="ru-RU" smtClean="0"/>
+              <a:rPr lang="en-US" smtClean="0"/>
               <a:t>‹#›</a:t>
             </a:fld>
-            <a:endParaRPr lang="ru-RU"/>
+            <a:endParaRPr lang="en-US"/>
           </a:p>
         </p:txBody>
       </p:sp>
@@ -2677,7 +2677,7 @@
       </p:grpSpPr>
       <p:sp>
         <p:nvSpPr>
-          <p:cNvPr id="3" name="Текст 2"/>
+          <p:cNvPr id="3" name="Text Placeholder 2"/>
           <p:cNvSpPr>
             <a:spLocks noGrp="1"/>
           </p:cNvSpPr>
@@ -2702,38 +2702,38 @@
           <a:p>
             <a:pPr lvl="0"/>
             <a:r>
-              <a:rPr lang="ru-RU" dirty="0" smtClean="0"/>
-              <a:t>Образец текста</a:t>
+              <a:rPr lang="en-US" dirty="0" smtClean="0"/>
+              <a:t>Click to edit Master text styles</a:t>
             </a:r>
           </a:p>
           <a:p>
             <a:pPr lvl="1"/>
             <a:r>
-              <a:rPr lang="ru-RU" dirty="0" smtClean="0"/>
-              <a:t>Второй уровень</a:t>
+              <a:rPr lang="en-US" dirty="0" smtClean="0"/>
+              <a:t>Second level</a:t>
             </a:r>
           </a:p>
           <a:p>
             <a:pPr lvl="2"/>
             <a:r>
-              <a:rPr lang="ru-RU" dirty="0" smtClean="0"/>
-              <a:t>Третий уровень</a:t>
+              <a:rPr lang="en-US" dirty="0" smtClean="0"/>
+              <a:t>Third level</a:t>
             </a:r>
           </a:p>
           <a:p>
             <a:pPr lvl="3"/>
             <a:r>
-              <a:rPr lang="ru-RU" dirty="0" smtClean="0"/>
-              <a:t>Четвертый уровень</a:t>
+              <a:rPr lang="en-US" dirty="0" smtClean="0"/>
+              <a:t>Fourth level</a:t>
             </a:r>
           </a:p>
           <a:p>
             <a:pPr lvl="4"/>
             <a:r>
-              <a:rPr lang="ru-RU" dirty="0" smtClean="0"/>
-              <a:t>Пятый уровень</a:t>
-            </a:r>
-            <a:endParaRPr lang="ru-RU" dirty="0"/>
+              <a:rPr lang="en-US" dirty="0" smtClean="0"/>
+              <a:t>Fifth level</a:t>
+            </a:r>
+            <a:endParaRPr lang="en-US" dirty="0"/>
           </a:p>
         </p:txBody>
       </p:sp>
@@ -3896,7 +3896,7 @@
       </p:sp>
       <p:sp>
         <p:nvSpPr>
-          <p:cNvPr id="2" name="Заголовок 1"/>
+          <p:cNvPr id="2" name="Title 1"/>
           <p:cNvSpPr>
             <a:spLocks noGrp="1"/>
           </p:cNvSpPr>
@@ -3920,16 +3920,16 @@
           <a:lstStyle/>
           <a:p>
             <a:r>
-              <a:rPr lang="ru-RU" dirty="0" smtClean="0"/>
-              <a:t>Образец заголовка</a:t>
-            </a:r>
-            <a:endParaRPr lang="ru-RU" dirty="0"/>
-          </a:p>
-        </p:txBody>
-      </p:sp>
-      <p:sp>
-        <p:nvSpPr>
-          <p:cNvPr id="6" name="Номер слайда 5"/>
+              <a:rPr lang="en-US" dirty="0" smtClean="0"/>
+              <a:t>Click to edit Master title style</a:t>
+            </a:r>
+            <a:endParaRPr lang="en-US" dirty="0"/>
+          </a:p>
+        </p:txBody>
+      </p:sp>
+      <p:sp>
+        <p:nvSpPr>
+          <p:cNvPr id="6" name="Slide Number Placeholder 5"/>
           <p:cNvSpPr>
             <a:spLocks noGrp="1"/>
           </p:cNvSpPr>
@@ -3965,16 +3965,16 @@
               <a:t>	</a:t>
             </a:r>
             <a:fld id="{F8E3F0E9-0FC2-4DDE-87CF-3BA6A04EA4CC}" type="slidenum">
-              <a:rPr lang="ru-RU" smtClean="0"/>
+              <a:rPr lang="en-US" smtClean="0"/>
               <a:t>‹#›</a:t>
             </a:fld>
-            <a:endParaRPr lang="ru-RU" dirty="0"/>
-          </a:p>
-        </p:txBody>
-      </p:sp>
-      <p:sp>
-        <p:nvSpPr>
-          <p:cNvPr id="4" name="Дата 3"/>
+            <a:endParaRPr lang="en-US" dirty="0"/>
+          </a:p>
+        </p:txBody>
+      </p:sp>
+      <p:sp>
+        <p:nvSpPr>
+          <p:cNvPr id="4" name="Date Placeholder 3"/>
           <p:cNvSpPr>
             <a:spLocks noGrp="1"/>
           </p:cNvSpPr>
@@ -4006,16 +4006,16 @@
           </a:lstStyle>
           <a:p>
             <a:fld id="{86EB4D43-F783-4E09-8208-6AA351DBC29B}" type="datetimeFigureOut">
-              <a:rPr lang="ru-RU" smtClean="0"/>
+              <a:rPr lang="en-US" smtClean="0"/>
               <a:t>22.10.2013</a:t>
             </a:fld>
-            <a:endParaRPr lang="ru-RU" dirty="0"/>
-          </a:p>
-        </p:txBody>
-      </p:sp>
-      <p:sp>
-        <p:nvSpPr>
-          <p:cNvPr id="5" name="Нижний колонтитул 4"/>
+            <a:endParaRPr lang="en-US" dirty="0"/>
+          </a:p>
+        </p:txBody>
+      </p:sp>
+      <p:sp>
+        <p:nvSpPr>
+          <p:cNvPr id="5" name="Footer Placeholder 4"/>
           <p:cNvSpPr>
             <a:spLocks noGrp="1"/>
           </p:cNvSpPr>
@@ -4046,7 +4046,7 @@
             </a:lvl1pPr>
           </a:lstStyle>
           <a:p>
-            <a:endParaRPr lang="ru-RU" dirty="0"/>
+            <a:endParaRPr lang="en-US" dirty="0"/>
           </a:p>
         </p:txBody>
       </p:sp>
@@ -4234,7 +4234,7 @@
     </p:bodyStyle>
     <p:otherStyle>
       <a:defPPr>
-        <a:defRPr lang="ru-RU"/>
+        <a:defRPr lang="en-US"/>
       </a:defPPr>
       <a:lvl1pPr marL="0" algn="l" defTabSz="914400" rtl="0" eaLnBrk="1" latinLnBrk="0" hangingPunct="1">
         <a:defRPr sz="1800" kern="1200">
@@ -4350,7 +4350,7 @@
       </p:grpSpPr>
       <p:sp>
         <p:nvSpPr>
-          <p:cNvPr id="2" name="Заголовок 1"/>
+          <p:cNvPr id="2" name="Title 1"/>
           <p:cNvSpPr>
             <a:spLocks noGrp="1"/>
           </p:cNvSpPr>
@@ -4363,13 +4363,13 @@
           <a:bodyPr/>
           <a:lstStyle/>
           <a:p>
-            <a:endParaRPr lang="ru-RU"/>
-          </a:p>
-        </p:txBody>
-      </p:sp>
-      <p:sp>
-        <p:nvSpPr>
-          <p:cNvPr id="3" name="Подзаголовок 2"/>
+            <a:endParaRPr lang="en-US"/>
+          </a:p>
+        </p:txBody>
+      </p:sp>
+      <p:sp>
+        <p:nvSpPr>
+          <p:cNvPr id="3" name="Subtitle 2"/>
           <p:cNvSpPr>
             <a:spLocks noGrp="1"/>
           </p:cNvSpPr>
@@ -4382,7 +4382,7 @@
           <a:bodyPr/>
           <a:lstStyle/>
           <a:p>
-            <a:endParaRPr lang="ru-RU"/>
+            <a:endParaRPr lang="en-US"/>
           </a:p>
         </p:txBody>
       </p:sp>
@@ -4447,7 +4447,7 @@
         <a:srgbClr val="800080"/>
       </a:folHlink>
     </a:clrScheme>
-    <a:fontScheme name="Классическая 2">
+    <a:fontScheme name="Classic 2">
       <a:majorFont>
         <a:latin typeface="Arial"/>
         <a:ea typeface=""/>
@@ -4519,7 +4519,7 @@
         <a:font script="Geor" typeface="Sylfaen"/>
       </a:minorFont>
     </a:fontScheme>
-    <a:fmtScheme name="Стандартная">
+    <a:fmtScheme name="Standard">
       <a:fillStyleLst>
         <a:solidFill>
           <a:schemeClr val="phClr"/>
